--- a/splash/splash.pptx
+++ b/splash/splash.pptx
@@ -305,7 +305,7 @@
             <a:fld id="{1D8BD707-D9CF-40AE-B4C6-C98DA3205C09}" type="datetimeFigureOut">
               <a:rPr lang="en-US" smtClean="0"/>
               <a:pPr/>
-              <a:t>4/25/2015</a:t>
+              <a:t>5/14/2015</a:t>
             </a:fld>
             <a:endParaRPr lang="en-US"/>
           </a:p>
@@ -472,7 +472,7 @@
             <a:fld id="{1D8BD707-D9CF-40AE-B4C6-C98DA3205C09}" type="datetimeFigureOut">
               <a:rPr lang="en-US" smtClean="0"/>
               <a:pPr/>
-              <a:t>4/25/2015</a:t>
+              <a:t>5/14/2015</a:t>
             </a:fld>
             <a:endParaRPr lang="en-US"/>
           </a:p>
@@ -649,7 +649,7 @@
             <a:fld id="{1D8BD707-D9CF-40AE-B4C6-C98DA3205C09}" type="datetimeFigureOut">
               <a:rPr lang="en-US" smtClean="0"/>
               <a:pPr/>
-              <a:t>4/25/2015</a:t>
+              <a:t>5/14/2015</a:t>
             </a:fld>
             <a:endParaRPr lang="en-US"/>
           </a:p>
@@ -816,7 +816,7 @@
             <a:fld id="{1D8BD707-D9CF-40AE-B4C6-C98DA3205C09}" type="datetimeFigureOut">
               <a:rPr lang="en-US" smtClean="0"/>
               <a:pPr/>
-              <a:t>4/25/2015</a:t>
+              <a:t>5/14/2015</a:t>
             </a:fld>
             <a:endParaRPr lang="en-US"/>
           </a:p>
@@ -1059,7 +1059,7 @@
             <a:fld id="{1D8BD707-D9CF-40AE-B4C6-C98DA3205C09}" type="datetimeFigureOut">
               <a:rPr lang="en-US" smtClean="0"/>
               <a:pPr/>
-              <a:t>4/25/2015</a:t>
+              <a:t>5/14/2015</a:t>
             </a:fld>
             <a:endParaRPr lang="en-US"/>
           </a:p>
@@ -1344,7 +1344,7 @@
             <a:fld id="{1D8BD707-D9CF-40AE-B4C6-C98DA3205C09}" type="datetimeFigureOut">
               <a:rPr lang="en-US" smtClean="0"/>
               <a:pPr/>
-              <a:t>4/25/2015</a:t>
+              <a:t>5/14/2015</a:t>
             </a:fld>
             <a:endParaRPr lang="en-US"/>
           </a:p>
@@ -1763,7 +1763,7 @@
             <a:fld id="{1D8BD707-D9CF-40AE-B4C6-C98DA3205C09}" type="datetimeFigureOut">
               <a:rPr lang="en-US" smtClean="0"/>
               <a:pPr/>
-              <a:t>4/25/2015</a:t>
+              <a:t>5/14/2015</a:t>
             </a:fld>
             <a:endParaRPr lang="en-US"/>
           </a:p>
@@ -1878,7 +1878,7 @@
             <a:fld id="{1D8BD707-D9CF-40AE-B4C6-C98DA3205C09}" type="datetimeFigureOut">
               <a:rPr lang="en-US" smtClean="0"/>
               <a:pPr/>
-              <a:t>4/25/2015</a:t>
+              <a:t>5/14/2015</a:t>
             </a:fld>
             <a:endParaRPr lang="en-US"/>
           </a:p>
@@ -1970,7 +1970,7 @@
             <a:fld id="{1D8BD707-D9CF-40AE-B4C6-C98DA3205C09}" type="datetimeFigureOut">
               <a:rPr lang="en-US" smtClean="0"/>
               <a:pPr/>
-              <a:t>4/25/2015</a:t>
+              <a:t>5/14/2015</a:t>
             </a:fld>
             <a:endParaRPr lang="en-US"/>
           </a:p>
@@ -2244,7 +2244,7 @@
             <a:fld id="{1D8BD707-D9CF-40AE-B4C6-C98DA3205C09}" type="datetimeFigureOut">
               <a:rPr lang="en-US" smtClean="0"/>
               <a:pPr/>
-              <a:t>4/25/2015</a:t>
+              <a:t>5/14/2015</a:t>
             </a:fld>
             <a:endParaRPr lang="en-US"/>
           </a:p>
@@ -2494,7 +2494,7 @@
             <a:fld id="{1D8BD707-D9CF-40AE-B4C6-C98DA3205C09}" type="datetimeFigureOut">
               <a:rPr lang="en-US" smtClean="0"/>
               <a:pPr/>
-              <a:t>4/25/2015</a:t>
+              <a:t>5/14/2015</a:t>
             </a:fld>
             <a:endParaRPr lang="en-US"/>
           </a:p>
@@ -2704,7 +2704,7 @@
             <a:fld id="{1D8BD707-D9CF-40AE-B4C6-C98DA3205C09}" type="datetimeFigureOut">
               <a:rPr lang="en-US" smtClean="0"/>
               <a:pPr/>
-              <a:t>4/25/2015</a:t>
+              <a:t>5/14/2015</a:t>
             </a:fld>
             <a:endParaRPr lang="en-US"/>
           </a:p>
@@ -3259,8 +3259,8 @@
           </p:nvSpPr>
           <p:spPr>
             <a:xfrm>
-              <a:off x="11887200" y="16459200"/>
-              <a:ext cx="24199253" cy="1569660"/>
+              <a:off x="5257800" y="16459200"/>
+              <a:ext cx="31113004" cy="1569660"/>
             </a:xfrm>
             <a:prstGeom prst="rect">
               <a:avLst/>
@@ -3289,19 +3289,19 @@
                 <a:rPr lang="en-US" sz="9600" dirty="0" smtClean="0">
                   <a:latin typeface="Eras Bold ITC" panose="020B0907030504020204" pitchFamily="34" charset="0"/>
                 </a:rPr>
-                <a:t> Creator From </a:t>
+                <a:t> Creator From The </a:t>
               </a:r>
               <a:r>
                 <a:rPr lang="en-US" sz="9600" dirty="0" err="1" smtClean="0">
                   <a:latin typeface="Eras Bold ITC" panose="020B0907030504020204" pitchFamily="34" charset="0"/>
                 </a:rPr>
-                <a:t>Digia</a:t>
+                <a:t>Qt</a:t>
               </a:r>
               <a:r>
                 <a:rPr lang="en-US" sz="9600" dirty="0" smtClean="0">
                   <a:latin typeface="Eras Bold ITC" panose="020B0907030504020204" pitchFamily="34" charset="0"/>
                 </a:rPr>
-                <a:t> PLC</a:t>
+                <a:t> Company Ltd</a:t>
               </a:r>
               <a:endParaRPr lang="en-US" sz="30000" dirty="0">
                 <a:latin typeface="Eras Bold ITC" panose="020B0907030504020204" pitchFamily="34" charset="0"/>
